--- a/pmgmt/Pow020.Implementing.WDM.pptx
+++ b/pmgmt/Pow020.Implementing.WDM.pptx
@@ -245,7 +245,7 @@
             <a:fld id="{91AA33BB-5012-4FA9-BC94-2423B0F96BF0}" type="datetimeFigureOut">
               <a:rPr lang="en-US" smtClean="0"/>
               <a:pPr/>
-              <a:t>8/26/2013</a:t>
+              <a:t>8/29/2013</a:t>
             </a:fld>
             <a:endParaRPr lang="en-US"/>
           </a:p>
@@ -6054,8 +6054,12 @@
           <a:lstStyle/>
           <a:p>
             <a:r>
-              <a:rPr lang="en-US" dirty="0" smtClean="0"/>
-              <a:t>Implementing WDP Driver</a:t>
+              <a:rPr lang="en-US" smtClean="0"/>
+              <a:t>Implementing WDM </a:t>
+            </a:r>
+            <a:r>
+              <a:rPr lang="en-US" dirty="0" smtClean="0"/>
+              <a:t>Driver</a:t>
             </a:r>
             <a:endParaRPr lang="he-IL" dirty="0"/>
           </a:p>
@@ -6842,6 +6846,13 @@
   <p:clrMapOvr>
     <a:masterClrMapping/>
   </p:clrMapOvr>
+  <p:timing>
+    <p:tnLst>
+      <p:par>
+        <p:cTn id="1" dur="indefinite" restart="never" nodeType="tmRoot"/>
+      </p:par>
+    </p:tnLst>
+  </p:timing>
 </p:sld>
 </file>
 
@@ -7015,6 +7026,13 @@
   <p:clrMapOvr>
     <a:masterClrMapping/>
   </p:clrMapOvr>
+  <p:timing>
+    <p:tnLst>
+      <p:par>
+        <p:cTn id="1" dur="indefinite" restart="never" nodeType="tmRoot"/>
+      </p:par>
+    </p:tnLst>
+  </p:timing>
 </p:sld>
 </file>
 
@@ -7209,7 +7227,11 @@
           <a:bodyPr/>
           <a:lstStyle/>
           <a:p>
-            <a:endParaRPr lang="en-US"/>
+            <a:r>
+              <a:rPr lang="en-US" smtClean="0"/>
+              <a:t>System IRP_MN_SET_POWER</a:t>
+            </a:r>
+            <a:endParaRPr lang="en-US" dirty="0"/>
           </a:p>
         </p:txBody>
       </p:sp>
